--- a/PPT Sleep disorder.pptx
+++ b/PPT Sleep disorder.pptx
@@ -5,7 +5,7 @@
     <p:sldMasterId id="2147483660" r:id="rId1"/>
   </p:sldMasterIdLst>
   <p:notesMasterIdLst>
-    <p:notesMasterId r:id="rId22"/>
+    <p:notesMasterId r:id="rId25"/>
   </p:notesMasterIdLst>
   <p:sldIdLst>
     <p:sldId id="256" r:id="rId2"/>
@@ -18,16 +18,19 @@
     <p:sldId id="717" r:id="rId9"/>
     <p:sldId id="718" r:id="rId10"/>
     <p:sldId id="719" r:id="rId11"/>
-    <p:sldId id="721" r:id="rId12"/>
-    <p:sldId id="722" r:id="rId13"/>
-    <p:sldId id="723" r:id="rId14"/>
-    <p:sldId id="724" r:id="rId15"/>
+    <p:sldId id="730" r:id="rId12"/>
+    <p:sldId id="721" r:id="rId13"/>
+    <p:sldId id="722" r:id="rId14"/>
+    <p:sldId id="723" r:id="rId15"/>
     <p:sldId id="725" r:id="rId16"/>
-    <p:sldId id="726" r:id="rId17"/>
-    <p:sldId id="727" r:id="rId18"/>
-    <p:sldId id="728" r:id="rId19"/>
-    <p:sldId id="711" r:id="rId20"/>
-    <p:sldId id="303" r:id="rId21"/>
+    <p:sldId id="724" r:id="rId17"/>
+    <p:sldId id="732" r:id="rId18"/>
+    <p:sldId id="726" r:id="rId19"/>
+    <p:sldId id="727" r:id="rId20"/>
+    <p:sldId id="731" r:id="rId21"/>
+    <p:sldId id="728" r:id="rId22"/>
+    <p:sldId id="711" r:id="rId23"/>
+    <p:sldId id="303" r:id="rId24"/>
   </p:sldIdLst>
   <p:sldSz cx="12192000" cy="6858000"/>
   <p:notesSz cx="6858000" cy="9144000"/>
@@ -224,7 +227,7 @@
           <a:p>
             <a:fld id="{C20077D8-B575-4753-B8FD-F5736649C91E}" type="datetimeFigureOut">
               <a:rPr lang="en-IN" smtClean="0"/>
-              <a:t>18-10-2024</a:t>
+              <a:t>04-12-2024</a:t>
             </a:fld>
             <a:endParaRPr lang="en-IN" dirty="0"/>
           </a:p>
@@ -4695,7 +4698,7 @@
               <a:rPr lang="en-US" sz="4400" b="1" dirty="0" smtClean="0">
                 <a:latin typeface="Calibri" panose="020F0502020204030204" pitchFamily="34" charset="0"/>
               </a:rPr>
-              <a:t>Stellar Object Classification</a:t>
+              <a:t>Sleep Disorder Prediction</a:t>
             </a:r>
             <a:endParaRPr lang="en-US" sz="4400" b="1" dirty="0">
               <a:latin typeface="Calibri" panose="020F0502020204030204" pitchFamily="34" charset="0"/>
@@ -4919,7 +4922,7 @@
           <a:p>
             <a:r>
               <a:rPr lang="en-US" dirty="0" smtClean="0"/>
-              <a:t>Outlier Analysis</a:t>
+              <a:t>Missing Values</a:t>
             </a:r>
             <a:endParaRPr lang="en-US" dirty="0"/>
           </a:p>
@@ -4927,12 +4930,12 @@
       </p:sp>
       <p:sp>
         <p:nvSpPr>
-          <p:cNvPr id="3" name="Text Placeholder 2"/>
+          <p:cNvPr id="3" name="Content Placeholder 2"/>
           <p:cNvSpPr>
             <a:spLocks noGrp="1"/>
           </p:cNvSpPr>
           <p:nvPr>
-            <p:ph type="body" idx="1"/>
+            <p:ph idx="1"/>
           </p:nvPr>
         </p:nvSpPr>
         <p:spPr/>
@@ -4942,205 +4945,22 @@
           <a:p>
             <a:r>
               <a:rPr lang="en-US" dirty="0" smtClean="0"/>
-              <a:t>Before</a:t>
+              <a:t>There were no missing values in all the independent variables or features but nearly 151 missing values in Target (Sleep Disorder)</a:t>
+            </a:r>
+          </a:p>
+          <a:p>
+            <a:r>
+              <a:rPr lang="en-US" dirty="0" smtClean="0"/>
+              <a:t>They were “None” which actually means there is no disorder, have changed it has “No disorder”.</a:t>
             </a:r>
             <a:endParaRPr lang="en-US" dirty="0"/>
-          </a:p>
-        </p:txBody>
-      </p:sp>
-      <p:pic>
-        <p:nvPicPr>
-          <p:cNvPr id="7" name="Content Placeholder 6"/>
-          <p:cNvPicPr>
-            <a:picLocks noGrp="1" noChangeAspect="1"/>
-          </p:cNvPicPr>
-          <p:nvPr>
-            <p:ph sz="half" idx="2"/>
-          </p:nvPr>
-        </p:nvPicPr>
-        <p:blipFill>
-          <a:blip r:embed="rId2">
-            <a:extLst>
-              <a:ext uri="{28A0092B-C50C-407E-A947-70E740481C1C}">
-                <a14:useLocalDpi xmlns:a14="http://schemas.microsoft.com/office/drawing/2010/main" val="0"/>
-              </a:ext>
-            </a:extLst>
-          </a:blip>
-          <a:stretch>
-            <a:fillRect/>
-          </a:stretch>
-        </p:blipFill>
-        <p:spPr>
-          <a:xfrm>
-            <a:off x="1034927" y="2505075"/>
-            <a:ext cx="4607171" cy="3552825"/>
-          </a:xfrm>
-        </p:spPr>
-      </p:pic>
-      <p:sp>
-        <p:nvSpPr>
-          <p:cNvPr id="5" name="Text Placeholder 4"/>
-          <p:cNvSpPr>
-            <a:spLocks noGrp="1"/>
-          </p:cNvSpPr>
-          <p:nvPr>
-            <p:ph type="body" sz="quarter" idx="3"/>
-          </p:nvPr>
-        </p:nvSpPr>
-        <p:spPr/>
-        <p:txBody>
-          <a:bodyPr/>
-          <a:lstStyle/>
-          <a:p>
-            <a:r>
-              <a:rPr lang="en-US" dirty="0" smtClean="0"/>
-              <a:t>After</a:t>
-            </a:r>
-            <a:endParaRPr lang="en-US" dirty="0"/>
-          </a:p>
-        </p:txBody>
-      </p:sp>
-      <p:pic>
-        <p:nvPicPr>
-          <p:cNvPr id="8" name="Content Placeholder 7"/>
-          <p:cNvPicPr>
-            <a:picLocks noGrp="1" noChangeAspect="1"/>
-          </p:cNvPicPr>
-          <p:nvPr>
-            <p:ph sz="quarter" idx="4"/>
-          </p:nvPr>
-        </p:nvPicPr>
-        <p:blipFill>
-          <a:blip r:embed="rId3">
-            <a:extLst>
-              <a:ext uri="{28A0092B-C50C-407E-A947-70E740481C1C}">
-                <a14:useLocalDpi xmlns:a14="http://schemas.microsoft.com/office/drawing/2010/main" val="0"/>
-              </a:ext>
-            </a:extLst>
-          </a:blip>
-          <a:stretch>
-            <a:fillRect/>
-          </a:stretch>
-        </p:blipFill>
-        <p:spPr>
-          <a:xfrm>
-            <a:off x="6553785" y="2505075"/>
-            <a:ext cx="4577179" cy="3552825"/>
-          </a:xfrm>
-        </p:spPr>
-      </p:pic>
-      <p:sp>
-        <p:nvSpPr>
-          <p:cNvPr id="9" name="Rectangle 1"/>
-          <p:cNvSpPr>
-            <a:spLocks noChangeArrowheads="1"/>
-          </p:cNvSpPr>
-          <p:nvPr/>
-        </p:nvSpPr>
-        <p:spPr bwMode="auto">
-          <a:xfrm>
-            <a:off x="763571" y="1299637"/>
-            <a:ext cx="5926302" cy="276999"/>
-          </a:xfrm>
-          <a:prstGeom prst="rect">
-            <a:avLst/>
-          </a:prstGeom>
-          <a:solidFill>
-            <a:srgbClr val="FFFFFF"/>
-          </a:solidFill>
-          <a:ln>
-            <a:noFill/>
-          </a:ln>
-          <a:effectLst/>
-          <a:extLst>
-            <a:ext uri="{91240B29-F687-4F45-9708-019B960494DF}">
-              <a14:hiddenLine xmlns:a14="http://schemas.microsoft.com/office/drawing/2010/main" w="9525">
-                <a:solidFill>
-                  <a:schemeClr val="tx1"/>
-                </a:solidFill>
-                <a:miter lim="800000"/>
-                <a:headEnd/>
-                <a:tailEnd/>
-              </a14:hiddenLine>
-            </a:ext>
-            <a:ext uri="{AF507438-7753-43E0-B8FC-AC1667EBCBE1}">
-              <a14:hiddenEffects xmlns:a14="http://schemas.microsoft.com/office/drawing/2010/main">
-                <a:effectLst>
-                  <a:outerShdw dist="35921" dir="2700000" algn="ctr" rotWithShape="0">
-                    <a:schemeClr val="bg2"/>
-                  </a:outerShdw>
-                </a:effectLst>
-              </a14:hiddenEffects>
-            </a:ext>
-          </a:extLst>
-        </p:spPr>
-        <p:txBody>
-          <a:bodyPr vert="horz" wrap="none" lIns="0" tIns="0" rIns="0" bIns="0" numCol="1" anchor="ctr" anchorCtr="0" compatLnSpc="1">
-            <a:prstTxWarp prst="textNoShape">
-              <a:avLst/>
-            </a:prstTxWarp>
-            <a:spAutoFit/>
-          </a:bodyPr>
-          <a:lstStyle/>
-          <a:p>
-            <a:pPr marL="0" marR="0" lvl="0" indent="0" algn="l" defTabSz="914400" rtl="0" eaLnBrk="0" fontAlgn="base" latinLnBrk="0" hangingPunct="0">
-              <a:lnSpc>
-                <a:spcPct val="100000"/>
-              </a:lnSpc>
-              <a:spcBef>
-                <a:spcPct val="0"/>
-              </a:spcBef>
-              <a:spcAft>
-                <a:spcPct val="0"/>
-              </a:spcAft>
-              <a:buClrTx/>
-              <a:buSzTx/>
-              <a:buFontTx/>
-              <a:buNone/>
-              <a:tabLst/>
-            </a:pPr>
-            <a:r>
-              <a:rPr kumimoji="0" lang="en-US" altLang="en-US" b="0" i="0" u="none" strike="noStrike" cap="none" normalizeH="0" baseline="0" dirty="0" smtClean="0">
-                <a:ln>
-                  <a:noFill/>
-                </a:ln>
-                <a:solidFill>
-                  <a:schemeClr val="tx1"/>
-                </a:solidFill>
-                <a:effectLst/>
-                <a:latin typeface="Arial Unicode MS"/>
-              </a:rPr>
-              <a:t>Percentage of outliers removed from the data set is 9.4%</a:t>
-            </a:r>
-            <a:r>
-              <a:rPr kumimoji="0" lang="en-US" altLang="en-US" b="0" i="0" u="none" strike="noStrike" cap="none" normalizeH="0" baseline="0" dirty="0" smtClean="0">
-                <a:ln>
-                  <a:noFill/>
-                </a:ln>
-                <a:solidFill>
-                  <a:schemeClr val="tx1"/>
-                </a:solidFill>
-                <a:effectLst/>
-              </a:rPr>
-              <a:t> </a:t>
-            </a:r>
-            <a:endParaRPr kumimoji="0" lang="en-US" altLang="en-US" b="0" i="0" u="none" strike="noStrike" cap="none" normalizeH="0" baseline="0" dirty="0" smtClean="0">
-              <a:ln>
-                <a:noFill/>
-              </a:ln>
-              <a:solidFill>
-                <a:schemeClr val="tx1"/>
-              </a:solidFill>
-              <a:effectLst/>
-              <a:latin typeface="Arial" panose="020B0604020202020204" pitchFamily="34" charset="0"/>
-            </a:endParaRPr>
           </a:p>
         </p:txBody>
       </p:sp>
     </p:spTree>
     <p:extLst>
       <p:ext uri="{BB962C8B-B14F-4D97-AF65-F5344CB8AC3E}">
-        <p14:creationId xmlns:p14="http://schemas.microsoft.com/office/powerpoint/2010/main" val="1919022904"/>
+        <p14:creationId xmlns:p14="http://schemas.microsoft.com/office/powerpoint/2010/main" val="2224168699"/>
       </p:ext>
     </p:extLst>
   </p:cSld>
@@ -5184,19 +5004,187 @@
           <a:p>
             <a:r>
               <a:rPr lang="en-US" dirty="0" smtClean="0"/>
-              <a:t>Univariate Analysis</a:t>
+              <a:t>Outlier Analysis</a:t>
             </a:r>
             <a:endParaRPr lang="en-US" dirty="0"/>
+          </a:p>
+        </p:txBody>
+      </p:sp>
+      <p:sp>
+        <p:nvSpPr>
+          <p:cNvPr id="9" name="Rectangle 1"/>
+          <p:cNvSpPr>
+            <a:spLocks noChangeArrowheads="1"/>
+          </p:cNvSpPr>
+          <p:nvPr/>
+        </p:nvSpPr>
+        <p:spPr bwMode="auto">
+          <a:xfrm>
+            <a:off x="810705" y="1263956"/>
+            <a:ext cx="9241954" cy="553998"/>
+          </a:xfrm>
+          <a:prstGeom prst="rect">
+            <a:avLst/>
+          </a:prstGeom>
+          <a:solidFill>
+            <a:srgbClr val="FFFFFF"/>
+          </a:solidFill>
+          <a:ln>
+            <a:noFill/>
+          </a:ln>
+          <a:effectLst/>
+          <a:extLst>
+            <a:ext uri="{91240B29-F687-4F45-9708-019B960494DF}">
+              <a14:hiddenLine xmlns:a14="http://schemas.microsoft.com/office/drawing/2010/main" w="9525">
+                <a:solidFill>
+                  <a:schemeClr val="tx1"/>
+                </a:solidFill>
+                <a:miter lim="800000"/>
+                <a:headEnd/>
+                <a:tailEnd/>
+              </a14:hiddenLine>
+            </a:ext>
+            <a:ext uri="{AF507438-7753-43E0-B8FC-AC1667EBCBE1}">
+              <a14:hiddenEffects xmlns:a14="http://schemas.microsoft.com/office/drawing/2010/main">
+                <a:effectLst>
+                  <a:outerShdw dist="35921" dir="2700000" algn="ctr" rotWithShape="0">
+                    <a:schemeClr val="bg2"/>
+                  </a:outerShdw>
+                </a:effectLst>
+              </a14:hiddenEffects>
+            </a:ext>
+          </a:extLst>
+        </p:spPr>
+        <p:txBody>
+          <a:bodyPr vert="horz" wrap="none" lIns="0" tIns="0" rIns="0" bIns="0" numCol="1" anchor="ctr" anchorCtr="0" compatLnSpc="1">
+            <a:prstTxWarp prst="textNoShape">
+              <a:avLst/>
+            </a:prstTxWarp>
+            <a:spAutoFit/>
+          </a:bodyPr>
+          <a:lstStyle/>
+          <a:p>
+            <a:pPr marL="0" marR="0" lvl="0" indent="0" algn="l" defTabSz="914400" rtl="0" eaLnBrk="0" fontAlgn="base" latinLnBrk="0" hangingPunct="0">
+              <a:lnSpc>
+                <a:spcPct val="100000"/>
+              </a:lnSpc>
+              <a:spcBef>
+                <a:spcPct val="0"/>
+              </a:spcBef>
+              <a:spcAft>
+                <a:spcPct val="0"/>
+              </a:spcAft>
+              <a:buClrTx/>
+              <a:buSzTx/>
+              <a:buFontTx/>
+              <a:buNone/>
+              <a:tabLst/>
+            </a:pPr>
+            <a:r>
+              <a:rPr kumimoji="0" lang="en-US" altLang="en-US" b="0" i="0" u="none" strike="noStrike" cap="none" normalizeH="0" baseline="0" dirty="0" smtClean="0">
+                <a:ln>
+                  <a:noFill/>
+                </a:ln>
+                <a:solidFill>
+                  <a:schemeClr val="tx1"/>
+                </a:solidFill>
+                <a:effectLst/>
+                <a:latin typeface="Arial" panose="020B0604020202020204" pitchFamily="34" charset="0"/>
+              </a:rPr>
+              <a:t>We</a:t>
+            </a:r>
+            <a:r>
+              <a:rPr kumimoji="0" lang="en-US" altLang="en-US" b="0" i="0" u="none" strike="noStrike" cap="none" normalizeH="0" dirty="0" smtClean="0">
+                <a:ln>
+                  <a:noFill/>
+                </a:ln>
+                <a:solidFill>
+                  <a:schemeClr val="tx1"/>
+                </a:solidFill>
+                <a:effectLst/>
+                <a:latin typeface="Arial" panose="020B0604020202020204" pitchFamily="34" charset="0"/>
+              </a:rPr>
+              <a:t> have detected only few </a:t>
+            </a:r>
+            <a:r>
+              <a:rPr kumimoji="0" lang="en-US" altLang="en-US" b="0" i="0" u="none" strike="noStrike" cap="none" normalizeH="0" dirty="0" err="1" smtClean="0">
+                <a:ln>
+                  <a:noFill/>
+                </a:ln>
+                <a:solidFill>
+                  <a:schemeClr val="tx1"/>
+                </a:solidFill>
+                <a:effectLst/>
+                <a:latin typeface="Arial" panose="020B0604020202020204" pitchFamily="34" charset="0"/>
+              </a:rPr>
+              <a:t>ouliers</a:t>
+            </a:r>
+            <a:r>
+              <a:rPr kumimoji="0" lang="en-US" altLang="en-US" b="0" i="0" u="none" strike="noStrike" cap="none" normalizeH="0" dirty="0" smtClean="0">
+                <a:ln>
+                  <a:noFill/>
+                </a:ln>
+                <a:solidFill>
+                  <a:schemeClr val="tx1"/>
+                </a:solidFill>
+                <a:effectLst/>
+                <a:latin typeface="Arial" panose="020B0604020202020204" pitchFamily="34" charset="0"/>
+              </a:rPr>
+              <a:t> but have not treated them as we are understanding the </a:t>
+            </a:r>
+          </a:p>
+          <a:p>
+            <a:pPr marL="0" marR="0" lvl="0" indent="0" algn="l" defTabSz="914400" rtl="0" eaLnBrk="0" fontAlgn="base" latinLnBrk="0" hangingPunct="0">
+              <a:lnSpc>
+                <a:spcPct val="100000"/>
+              </a:lnSpc>
+              <a:spcBef>
+                <a:spcPct val="0"/>
+              </a:spcBef>
+              <a:spcAft>
+                <a:spcPct val="0"/>
+              </a:spcAft>
+              <a:buClrTx/>
+              <a:buSzTx/>
+              <a:buFontTx/>
+              <a:buNone/>
+              <a:tabLst/>
+            </a:pPr>
+            <a:r>
+              <a:rPr kumimoji="0" lang="en-US" altLang="en-US" b="0" i="0" u="none" strike="noStrike" cap="none" normalizeH="0" dirty="0" smtClean="0">
+                <a:ln>
+                  <a:noFill/>
+                </a:ln>
+                <a:solidFill>
+                  <a:schemeClr val="tx1"/>
+                </a:solidFill>
+                <a:effectLst/>
+                <a:latin typeface="Arial" panose="020B0604020202020204" pitchFamily="34" charset="0"/>
+              </a:rPr>
+              <a:t>influence on the target</a:t>
+            </a:r>
+            <a:endParaRPr kumimoji="0" lang="en-US" altLang="en-US" b="0" i="0" u="none" strike="noStrike" cap="none" normalizeH="0" baseline="0" dirty="0" smtClean="0">
+              <a:ln>
+                <a:noFill/>
+              </a:ln>
+              <a:solidFill>
+                <a:schemeClr val="tx1"/>
+              </a:solidFill>
+              <a:effectLst/>
+              <a:latin typeface="Arial" panose="020B0604020202020204" pitchFamily="34" charset="0"/>
+            </a:endParaRPr>
           </a:p>
         </p:txBody>
       </p:sp>
       <p:pic>
         <p:nvPicPr>
-          <p:cNvPr id="3" name="Picture 2"/>
+          <p:cNvPr id="13" name="Content Placeholder 12"/>
           <p:cNvPicPr>
-            <a:picLocks noChangeAspect="1"/>
+            <a:picLocks noGrp="1" noChangeAspect="1"/>
           </p:cNvPicPr>
-          <p:nvPr/>
+          <p:nvPr>
+            <p:ph sz="quarter" idx="4"/>
+          </p:nvPr>
         </p:nvPicPr>
         <p:blipFill>
           <a:blip r:embed="rId2">
@@ -5212,18 +5200,44 @@
         </p:blipFill>
         <p:spPr>
           <a:xfrm>
-            <a:off x="2554663" y="1111984"/>
-            <a:ext cx="7107811" cy="5015439"/>
+            <a:off x="6660144" y="2505075"/>
+            <a:ext cx="4364461" cy="3552825"/>
           </a:xfrm>
-          <a:prstGeom prst="rect">
-            <a:avLst/>
-          </a:prstGeom>
+        </p:spPr>
+      </p:pic>
+      <p:pic>
+        <p:nvPicPr>
+          <p:cNvPr id="12" name="Content Placeholder 11"/>
+          <p:cNvPicPr>
+            <a:picLocks noGrp="1" noChangeAspect="1"/>
+          </p:cNvPicPr>
+          <p:nvPr>
+            <p:ph sz="half" idx="2"/>
+          </p:nvPr>
+        </p:nvPicPr>
+        <p:blipFill>
+          <a:blip r:embed="rId3">
+            <a:extLst>
+              <a:ext uri="{28A0092B-C50C-407E-A947-70E740481C1C}">
+                <a14:useLocalDpi xmlns:a14="http://schemas.microsoft.com/office/drawing/2010/main" val="0"/>
+              </a:ext>
+            </a:extLst>
+          </a:blip>
+          <a:stretch>
+            <a:fillRect/>
+          </a:stretch>
+        </p:blipFill>
+        <p:spPr>
+          <a:xfrm>
+            <a:off x="1036948" y="2085889"/>
+            <a:ext cx="4163711" cy="3972012"/>
+          </a:xfrm>
         </p:spPr>
       </p:pic>
     </p:spTree>
     <p:extLst>
       <p:ext uri="{BB962C8B-B14F-4D97-AF65-F5344CB8AC3E}">
-        <p14:creationId xmlns:p14="http://schemas.microsoft.com/office/powerpoint/2010/main" val="3268121609"/>
+        <p14:creationId xmlns:p14="http://schemas.microsoft.com/office/powerpoint/2010/main" val="1919022904"/>
       </p:ext>
     </p:extLst>
   </p:cSld>
@@ -5267,15 +5281,7 @@
           <a:p>
             <a:r>
               <a:rPr lang="en-US" dirty="0" smtClean="0"/>
-              <a:t>Bivariate Analysis (</a:t>
-            </a:r>
-            <a:r>
-              <a:rPr lang="en-US" b="0" dirty="0" smtClean="0"/>
-              <a:t>pair-plot</a:t>
-            </a:r>
-            <a:r>
-              <a:rPr lang="en-US" dirty="0" smtClean="0"/>
-              <a:t>)</a:t>
+              <a:t>Univariate Analysis</a:t>
             </a:r>
             <a:endParaRPr lang="en-US" dirty="0"/>
           </a:p>
@@ -5283,13 +5289,11 @@
       </p:sp>
       <p:pic>
         <p:nvPicPr>
-          <p:cNvPr id="5" name="Content Placeholder 4"/>
+          <p:cNvPr id="4" name="Picture 3"/>
           <p:cNvPicPr>
-            <a:picLocks noGrp="1" noChangeAspect="1"/>
+            <a:picLocks noChangeAspect="1"/>
           </p:cNvPicPr>
-          <p:nvPr>
-            <p:ph sz="half" idx="1"/>
-          </p:nvPr>
+          <p:nvPr/>
         </p:nvPicPr>
         <p:blipFill>
           <a:blip r:embed="rId2">
@@ -5305,44 +5309,18 @@
         </p:blipFill>
         <p:spPr>
           <a:xfrm>
-            <a:off x="1150143" y="1660525"/>
-            <a:ext cx="4398963" cy="4398963"/>
+            <a:off x="2806929" y="1216441"/>
+            <a:ext cx="6212356" cy="4964879"/>
           </a:xfrm>
-        </p:spPr>
-      </p:pic>
-      <p:pic>
-        <p:nvPicPr>
-          <p:cNvPr id="6" name="Content Placeholder 5"/>
-          <p:cNvPicPr>
-            <a:picLocks noGrp="1" noChangeAspect="1"/>
-          </p:cNvPicPr>
-          <p:nvPr>
-            <p:ph sz="half" idx="2"/>
-          </p:nvPr>
-        </p:nvPicPr>
-        <p:blipFill>
-          <a:blip r:embed="rId3">
-            <a:extLst>
-              <a:ext uri="{28A0092B-C50C-407E-A947-70E740481C1C}">
-                <a14:useLocalDpi xmlns:a14="http://schemas.microsoft.com/office/drawing/2010/main" val="0"/>
-              </a:ext>
-            </a:extLst>
-          </a:blip>
-          <a:stretch>
-            <a:fillRect/>
-          </a:stretch>
-        </p:blipFill>
-        <p:spPr>
-          <a:xfrm>
-            <a:off x="6670535" y="1660525"/>
-            <a:ext cx="4343680" cy="4398963"/>
-          </a:xfrm>
+          <a:prstGeom prst="rect">
+            <a:avLst/>
+          </a:prstGeom>
         </p:spPr>
       </p:pic>
     </p:spTree>
     <p:extLst>
       <p:ext uri="{BB962C8B-B14F-4D97-AF65-F5344CB8AC3E}">
-        <p14:creationId xmlns:p14="http://schemas.microsoft.com/office/powerpoint/2010/main" val="1829919698"/>
+        <p14:creationId xmlns:p14="http://schemas.microsoft.com/office/powerpoint/2010/main" val="3268121609"/>
       </p:ext>
     </p:extLst>
   </p:cSld>
@@ -5386,30 +5364,15 @@
           <a:p>
             <a:r>
               <a:rPr lang="en-US" dirty="0" smtClean="0"/>
-              <a:t>Model Training and Evaluating</a:t>
-            </a:r>
-            <a:endParaRPr lang="en-US" dirty="0"/>
-          </a:p>
-        </p:txBody>
-      </p:sp>
-      <p:sp>
-        <p:nvSpPr>
-          <p:cNvPr id="3" name="Content Placeholder 2"/>
-          <p:cNvSpPr>
-            <a:spLocks noGrp="1"/>
-          </p:cNvSpPr>
-          <p:nvPr>
-            <p:ph idx="1"/>
-          </p:nvPr>
-        </p:nvSpPr>
-        <p:spPr/>
-        <p:txBody>
-          <a:bodyPr/>
-          <a:lstStyle/>
-          <a:p>
+              <a:t>Bivariate Analysis (</a:t>
+            </a:r>
+            <a:r>
+              <a:rPr lang="en-US" b="0" dirty="0" smtClean="0"/>
+              <a:t>pair-plot</a:t>
+            </a:r>
             <a:r>
               <a:rPr lang="en-US" dirty="0" smtClean="0"/>
-              <a:t>The dataset is trained with all the above mentioned models (Usually vanilla models) and the evaluation metrics are used to check the performance.</a:t>
+              <a:t>)</a:t>
             </a:r>
             <a:endParaRPr lang="en-US" dirty="0"/>
           </a:p>
@@ -5417,14 +5380,16 @@
       </p:sp>
       <p:pic>
         <p:nvPicPr>
-          <p:cNvPr id="4" name="Picture 3"/>
+          <p:cNvPr id="7" name="Content Placeholder 6"/>
           <p:cNvPicPr>
-            <a:picLocks noChangeAspect="1"/>
+            <a:picLocks noGrp="1" noChangeAspect="1"/>
           </p:cNvPicPr>
-          <p:nvPr/>
+          <p:nvPr>
+            <p:ph sz="half" idx="1"/>
+          </p:nvPr>
         </p:nvPicPr>
         <p:blipFill>
-          <a:blip r:embed="rId2">
+          <a:blip r:embed="rId2" cstate="print">
             <a:extLst>
               <a:ext uri="{28A0092B-C50C-407E-A947-70E740481C1C}">
                 <a14:useLocalDpi xmlns:a14="http://schemas.microsoft.com/office/drawing/2010/main" val="0"/>
@@ -5437,18 +5402,15 @@
         </p:blipFill>
         <p:spPr>
           <a:xfrm>
-            <a:off x="3380997" y="2762925"/>
-            <a:ext cx="5430008" cy="2991267"/>
+            <a:off x="1150143" y="1660525"/>
+            <a:ext cx="9596414" cy="4398963"/>
           </a:xfrm>
-          <a:prstGeom prst="rect">
-            <a:avLst/>
-          </a:prstGeom>
         </p:spPr>
       </p:pic>
     </p:spTree>
     <p:extLst>
       <p:ext uri="{BB962C8B-B14F-4D97-AF65-F5344CB8AC3E}">
-        <p14:creationId xmlns:p14="http://schemas.microsoft.com/office/powerpoint/2010/main" val="1552375624"/>
+        <p14:creationId xmlns:p14="http://schemas.microsoft.com/office/powerpoint/2010/main" val="1829919698"/>
       </p:ext>
     </p:extLst>
   </p:cSld>
@@ -5492,7 +5454,7 @@
           <a:p>
             <a:r>
               <a:rPr lang="en-US" dirty="0" smtClean="0"/>
-              <a:t>Comparing Model Performance</a:t>
+              <a:t>Correlation between features and the target</a:t>
             </a:r>
             <a:endParaRPr lang="en-US" dirty="0"/>
           </a:p>
@@ -5500,7 +5462,7 @@
       </p:sp>
       <p:pic>
         <p:nvPicPr>
-          <p:cNvPr id="4" name="Content Placeholder 3"/>
+          <p:cNvPr id="5" name="Content Placeholder 4"/>
           <p:cNvPicPr>
             <a:picLocks noGrp="1" noChangeAspect="1"/>
           </p:cNvPicPr>
@@ -5522,8 +5484,8 @@
         </p:blipFill>
         <p:spPr>
           <a:xfrm>
-            <a:off x="3737633" y="1674813"/>
-            <a:ext cx="4716733" cy="4398962"/>
+            <a:off x="962666" y="1674813"/>
+            <a:ext cx="10266668" cy="4398962"/>
           </a:xfrm>
         </p:spPr>
       </p:pic>
@@ -5557,15 +5519,59 @@
           <a:chExt cx="0" cy="0"/>
         </a:xfrm>
       </p:grpSpPr>
-      <p:pic>
-        <p:nvPicPr>
-          <p:cNvPr id="4" name="Content Placeholder 3"/>
-          <p:cNvPicPr>
-            <a:picLocks noGrp="1" noChangeAspect="1"/>
-          </p:cNvPicPr>
+      <p:sp>
+        <p:nvSpPr>
+          <p:cNvPr id="2" name="Title 1"/>
+          <p:cNvSpPr>
+            <a:spLocks noGrp="1"/>
+          </p:cNvSpPr>
+          <p:nvPr>
+            <p:ph type="title"/>
+          </p:nvPr>
+        </p:nvSpPr>
+        <p:spPr/>
+        <p:txBody>
+          <a:bodyPr/>
+          <a:lstStyle/>
+          <a:p>
+            <a:r>
+              <a:rPr lang="en-US" dirty="0" smtClean="0"/>
+              <a:t>Model Training and Evaluating</a:t>
+            </a:r>
+            <a:endParaRPr lang="en-US" dirty="0"/>
+          </a:p>
+        </p:txBody>
+      </p:sp>
+      <p:sp>
+        <p:nvSpPr>
+          <p:cNvPr id="3" name="Content Placeholder 2"/>
+          <p:cNvSpPr>
+            <a:spLocks noGrp="1"/>
+          </p:cNvSpPr>
           <p:nvPr>
             <p:ph idx="1"/>
           </p:nvPr>
+        </p:nvSpPr>
+        <p:spPr/>
+        <p:txBody>
+          <a:bodyPr/>
+          <a:lstStyle/>
+          <a:p>
+            <a:r>
+              <a:rPr lang="en-US" dirty="0" smtClean="0"/>
+              <a:t>The dataset is trained with all the above mentioned models (Usually vanilla models) and the evaluation metrics are used to check the performance.</a:t>
+            </a:r>
+            <a:endParaRPr lang="en-US" dirty="0"/>
+          </a:p>
+        </p:txBody>
+      </p:sp>
+      <p:pic>
+        <p:nvPicPr>
+          <p:cNvPr id="5" name="Picture 4"/>
+          <p:cNvPicPr>
+            <a:picLocks noChangeAspect="1"/>
+          </p:cNvPicPr>
+          <p:nvPr/>
         </p:nvPicPr>
         <p:blipFill>
           <a:blip r:embed="rId2">
@@ -5581,46 +5587,18 @@
         </p:blipFill>
         <p:spPr>
           <a:xfrm>
-            <a:off x="6445791" y="603250"/>
-            <a:ext cx="3075493" cy="5454650"/>
+            <a:off x="3110390" y="2910881"/>
+            <a:ext cx="5801535" cy="2638793"/>
           </a:xfrm>
+          <a:prstGeom prst="rect">
+            <a:avLst/>
+          </a:prstGeom>
         </p:spPr>
       </p:pic>
-      <p:sp>
-        <p:nvSpPr>
-          <p:cNvPr id="3" name="Title 2"/>
-          <p:cNvSpPr>
-            <a:spLocks noGrp="1"/>
-          </p:cNvSpPr>
-          <p:nvPr>
-            <p:ph type="title"/>
-          </p:nvPr>
-        </p:nvSpPr>
-        <p:spPr/>
-        <p:txBody>
-          <a:bodyPr/>
-          <a:lstStyle/>
-          <a:p>
-            <a:r>
-              <a:rPr lang="en-US" dirty="0" smtClean="0"/>
-              <a:t>Deployment using </a:t>
-            </a:r>
-            <a:r>
-              <a:rPr lang="en-US" dirty="0" err="1" smtClean="0"/>
-              <a:t>Streamlit</a:t>
-            </a:r>
-            <a:r>
-              <a:rPr lang="en-US" dirty="0" smtClean="0"/>
-              <a:t> </a:t>
-            </a:r>
-            <a:endParaRPr lang="en-US" dirty="0"/>
-          </a:p>
-        </p:txBody>
-      </p:sp>
     </p:spTree>
     <p:extLst>
       <p:ext uri="{BB962C8B-B14F-4D97-AF65-F5344CB8AC3E}">
-        <p14:creationId xmlns:p14="http://schemas.microsoft.com/office/powerpoint/2010/main" val="934362164"/>
+        <p14:creationId xmlns:p14="http://schemas.microsoft.com/office/powerpoint/2010/main" val="1552375624"/>
       </p:ext>
     </p:extLst>
   </p:cSld>
@@ -5664,7 +5642,7 @@
           <a:p>
             <a:r>
               <a:rPr lang="en-US" dirty="0" smtClean="0"/>
-              <a:t>Dashboard Using Power BI</a:t>
+              <a:t>Comparing Model Performance</a:t>
             </a:r>
             <a:endParaRPr lang="en-US" dirty="0"/>
           </a:p>
@@ -5694,15 +5672,15 @@
         </p:blipFill>
         <p:spPr>
           <a:xfrm>
-            <a:off x="2097687" y="1674813"/>
-            <a:ext cx="7996625" cy="4398962"/>
+            <a:off x="3816872" y="1674813"/>
+            <a:ext cx="4558255" cy="4398962"/>
           </a:xfrm>
         </p:spPr>
       </p:pic>
     </p:spTree>
     <p:extLst>
       <p:ext uri="{BB962C8B-B14F-4D97-AF65-F5344CB8AC3E}">
-        <p14:creationId xmlns:p14="http://schemas.microsoft.com/office/powerpoint/2010/main" val="1076451478"/>
+        <p14:creationId xmlns:p14="http://schemas.microsoft.com/office/powerpoint/2010/main" val="4177823973"/>
       </p:ext>
     </p:extLst>
   </p:cSld>
@@ -5731,6 +5709,96 @@
       </p:grpSpPr>
       <p:sp>
         <p:nvSpPr>
+          <p:cNvPr id="3" name="Title 2"/>
+          <p:cNvSpPr>
+            <a:spLocks noGrp="1"/>
+          </p:cNvSpPr>
+          <p:nvPr>
+            <p:ph type="title"/>
+          </p:nvPr>
+        </p:nvSpPr>
+        <p:spPr/>
+        <p:txBody>
+          <a:bodyPr/>
+          <a:lstStyle/>
+          <a:p>
+            <a:r>
+              <a:rPr lang="en-US" dirty="0" smtClean="0"/>
+              <a:t>Deployment using </a:t>
+            </a:r>
+            <a:r>
+              <a:rPr lang="en-US" dirty="0" err="1" smtClean="0"/>
+              <a:t>Streamlit</a:t>
+            </a:r>
+            <a:r>
+              <a:rPr lang="en-US" dirty="0" smtClean="0"/>
+              <a:t> </a:t>
+            </a:r>
+            <a:endParaRPr lang="en-US" dirty="0"/>
+          </a:p>
+        </p:txBody>
+      </p:sp>
+      <p:pic>
+        <p:nvPicPr>
+          <p:cNvPr id="5" name="Content Placeholder 4"/>
+          <p:cNvPicPr>
+            <a:picLocks noGrp="1" noChangeAspect="1"/>
+          </p:cNvPicPr>
+          <p:nvPr>
+            <p:ph idx="1"/>
+          </p:nvPr>
+        </p:nvPicPr>
+        <p:blipFill>
+          <a:blip r:embed="rId2">
+            <a:extLst>
+              <a:ext uri="{28A0092B-C50C-407E-A947-70E740481C1C}">
+                <a14:useLocalDpi xmlns:a14="http://schemas.microsoft.com/office/drawing/2010/main" val="0"/>
+              </a:ext>
+            </a:extLst>
+          </a:blip>
+          <a:stretch>
+            <a:fillRect/>
+          </a:stretch>
+        </p:blipFill>
+        <p:spPr>
+          <a:xfrm>
+            <a:off x="6341134" y="603250"/>
+            <a:ext cx="3284807" cy="5454650"/>
+          </a:xfrm>
+        </p:spPr>
+      </p:pic>
+    </p:spTree>
+    <p:extLst>
+      <p:ext uri="{BB962C8B-B14F-4D97-AF65-F5344CB8AC3E}">
+        <p14:creationId xmlns:p14="http://schemas.microsoft.com/office/powerpoint/2010/main" val="934362164"/>
+      </p:ext>
+    </p:extLst>
+  </p:cSld>
+  <p:clrMapOvr>
+    <a:masterClrMapping/>
+  </p:clrMapOvr>
+</p:sld>
+</file>
+
+<file path=ppt/slides/slide19.xml><?xml version="1.0" encoding="utf-8"?>
+<p:sld xmlns:a="http://schemas.openxmlformats.org/drawingml/2006/main" xmlns:r="http://schemas.openxmlformats.org/officeDocument/2006/relationships" xmlns:p="http://schemas.openxmlformats.org/presentationml/2006/main">
+  <p:cSld>
+    <p:spTree>
+      <p:nvGrpSpPr>
+        <p:cNvPr id="1" name=""/>
+        <p:cNvGrpSpPr/>
+        <p:nvPr/>
+      </p:nvGrpSpPr>
+      <p:grpSpPr>
+        <a:xfrm>
+          <a:off x="0" y="0"/>
+          <a:ext cx="0" cy="0"/>
+          <a:chOff x="0" y="0"/>
+          <a:chExt cx="0" cy="0"/>
+        </a:xfrm>
+      </p:grpSpPr>
+      <p:sp>
+        <p:nvSpPr>
           <p:cNvPr id="2" name="Title 1"/>
           <p:cNvSpPr>
             <a:spLocks noGrp="1"/>
@@ -5746,7 +5814,93 @@
           <a:p>
             <a:r>
               <a:rPr lang="en-US" dirty="0" smtClean="0"/>
-              <a:t>Project Link</a:t>
+              <a:t>Dashboard Using Power </a:t>
+            </a:r>
+            <a:r>
+              <a:rPr lang="en-US" dirty="0" smtClean="0"/>
+              <a:t>BI Page 1</a:t>
+            </a:r>
+            <a:endParaRPr lang="en-US" dirty="0"/>
+          </a:p>
+        </p:txBody>
+      </p:sp>
+      <p:pic>
+        <p:nvPicPr>
+          <p:cNvPr id="5" name="Content Placeholder 4"/>
+          <p:cNvPicPr>
+            <a:picLocks noGrp="1" noChangeAspect="1"/>
+          </p:cNvPicPr>
+          <p:nvPr>
+            <p:ph idx="1"/>
+          </p:nvPr>
+        </p:nvPicPr>
+        <p:blipFill>
+          <a:blip r:embed="rId2">
+            <a:extLst>
+              <a:ext uri="{28A0092B-C50C-407E-A947-70E740481C1C}">
+                <a14:useLocalDpi xmlns:a14="http://schemas.microsoft.com/office/drawing/2010/main" val="0"/>
+              </a:ext>
+            </a:extLst>
+          </a:blip>
+          <a:stretch>
+            <a:fillRect/>
+          </a:stretch>
+        </p:blipFill>
+        <p:spPr>
+          <a:xfrm>
+            <a:off x="2187334" y="1674813"/>
+            <a:ext cx="7817332" cy="4398962"/>
+          </a:xfrm>
+        </p:spPr>
+      </p:pic>
+    </p:spTree>
+    <p:extLst>
+      <p:ext uri="{BB962C8B-B14F-4D97-AF65-F5344CB8AC3E}">
+        <p14:creationId xmlns:p14="http://schemas.microsoft.com/office/powerpoint/2010/main" val="1076451478"/>
+      </p:ext>
+    </p:extLst>
+  </p:cSld>
+  <p:clrMapOvr>
+    <a:masterClrMapping/>
+  </p:clrMapOvr>
+</p:sld>
+</file>
+
+<file path=ppt/slides/slide2.xml><?xml version="1.0" encoding="utf-8"?>
+<p:sld xmlns:a="http://schemas.openxmlformats.org/drawingml/2006/main" xmlns:r="http://schemas.openxmlformats.org/officeDocument/2006/relationships" xmlns:p="http://schemas.openxmlformats.org/presentationml/2006/main">
+  <p:cSld>
+    <p:spTree>
+      <p:nvGrpSpPr>
+        <p:cNvPr id="1" name=""/>
+        <p:cNvGrpSpPr/>
+        <p:nvPr/>
+      </p:nvGrpSpPr>
+      <p:grpSpPr>
+        <a:xfrm>
+          <a:off x="0" y="0"/>
+          <a:ext cx="0" cy="0"/>
+          <a:chOff x="0" y="0"/>
+          <a:chExt cx="0" cy="0"/>
+        </a:xfrm>
+      </p:grpSpPr>
+      <p:sp>
+        <p:nvSpPr>
+          <p:cNvPr id="2" name="Title 1"/>
+          <p:cNvSpPr>
+            <a:spLocks noGrp="1"/>
+          </p:cNvSpPr>
+          <p:nvPr>
+            <p:ph type="title"/>
+          </p:nvPr>
+        </p:nvSpPr>
+        <p:spPr/>
+        <p:txBody>
+          <a:bodyPr/>
+          <a:lstStyle/>
+          <a:p>
+            <a:r>
+              <a:rPr lang="en-US" dirty="0" smtClean="0"/>
+              <a:t>Agenda</a:t>
             </a:r>
             <a:endParaRPr lang="en-US" dirty="0"/>
           </a:p>
@@ -5764,6 +5918,255 @@
         </p:nvSpPr>
         <p:spPr/>
         <p:txBody>
+          <a:bodyPr>
+            <a:normAutofit fontScale="85000" lnSpcReduction="20000"/>
+          </a:bodyPr>
+          <a:lstStyle/>
+          <a:p>
+            <a:r>
+              <a:rPr lang="en-US" dirty="0" smtClean="0"/>
+              <a:t>Project objective</a:t>
+            </a:r>
+          </a:p>
+          <a:p>
+            <a:r>
+              <a:rPr lang="en-US" dirty="0" smtClean="0"/>
+              <a:t>Classifying None, Sleep Apnea, Insomnia</a:t>
+            </a:r>
+          </a:p>
+          <a:p>
+            <a:r>
+              <a:rPr lang="en-US" dirty="0" smtClean="0"/>
+              <a:t>Understanding Dataset and features</a:t>
+            </a:r>
+          </a:p>
+          <a:p>
+            <a:r>
+              <a:rPr lang="en-US" dirty="0" smtClean="0"/>
+              <a:t>Type of ML problem</a:t>
+            </a:r>
+          </a:p>
+          <a:p>
+            <a:r>
+              <a:rPr lang="en-US" dirty="0" smtClean="0"/>
+              <a:t>Models Used</a:t>
+            </a:r>
+          </a:p>
+          <a:p>
+            <a:r>
+              <a:rPr lang="en-US" dirty="0" smtClean="0"/>
+              <a:t>Target Variable</a:t>
+            </a:r>
+          </a:p>
+          <a:p>
+            <a:r>
+              <a:rPr lang="en-US" dirty="0" smtClean="0"/>
+              <a:t>Evaluation Metrics</a:t>
+            </a:r>
+          </a:p>
+          <a:p>
+            <a:r>
+              <a:rPr lang="en-US" dirty="0" smtClean="0"/>
+              <a:t>Exploratory Data Analysis</a:t>
+            </a:r>
+          </a:p>
+          <a:p>
+            <a:r>
+              <a:rPr lang="en-US" dirty="0" smtClean="0"/>
+              <a:t>Model Training and Evaluation. Comparison.</a:t>
+            </a:r>
+          </a:p>
+          <a:p>
+            <a:r>
+              <a:rPr lang="en-US" dirty="0" smtClean="0"/>
+              <a:t>Deployment</a:t>
+            </a:r>
+          </a:p>
+          <a:p>
+            <a:r>
+              <a:rPr lang="en-US" dirty="0" smtClean="0"/>
+              <a:t>Dashboard with </a:t>
+            </a:r>
+            <a:r>
+              <a:rPr lang="en-US" dirty="0" err="1" smtClean="0"/>
+              <a:t>PowerBI</a:t>
+            </a:r>
+            <a:endParaRPr lang="en-US" dirty="0" smtClean="0"/>
+          </a:p>
+          <a:p>
+            <a:endParaRPr lang="en-US" dirty="0" smtClean="0"/>
+          </a:p>
+          <a:p>
+            <a:endParaRPr lang="en-US" dirty="0" smtClean="0"/>
+          </a:p>
+          <a:p>
+            <a:endParaRPr lang="en-US" dirty="0" smtClean="0"/>
+          </a:p>
+          <a:p>
+            <a:endParaRPr lang="en-US" dirty="0" smtClean="0"/>
+          </a:p>
+          <a:p>
+            <a:endParaRPr lang="en-US" dirty="0" smtClean="0"/>
+          </a:p>
+          <a:p>
+            <a:endParaRPr lang="en-US" dirty="0" smtClean="0"/>
+          </a:p>
+          <a:p>
+            <a:endParaRPr lang="en-US" dirty="0"/>
+          </a:p>
+        </p:txBody>
+      </p:sp>
+    </p:spTree>
+    <p:extLst>
+      <p:ext uri="{BB962C8B-B14F-4D97-AF65-F5344CB8AC3E}">
+        <p14:creationId xmlns:p14="http://schemas.microsoft.com/office/powerpoint/2010/main" val="1244476586"/>
+      </p:ext>
+    </p:extLst>
+  </p:cSld>
+  <p:clrMapOvr>
+    <a:masterClrMapping/>
+  </p:clrMapOvr>
+</p:sld>
+</file>
+
+<file path=ppt/slides/slide20.xml><?xml version="1.0" encoding="utf-8"?>
+<p:sld xmlns:a="http://schemas.openxmlformats.org/drawingml/2006/main" xmlns:r="http://schemas.openxmlformats.org/officeDocument/2006/relationships" xmlns:p="http://schemas.openxmlformats.org/presentationml/2006/main">
+  <p:cSld>
+    <p:spTree>
+      <p:nvGrpSpPr>
+        <p:cNvPr id="1" name=""/>
+        <p:cNvGrpSpPr/>
+        <p:nvPr/>
+      </p:nvGrpSpPr>
+      <p:grpSpPr>
+        <a:xfrm>
+          <a:off x="0" y="0"/>
+          <a:ext cx="0" cy="0"/>
+          <a:chOff x="0" y="0"/>
+          <a:chExt cx="0" cy="0"/>
+        </a:xfrm>
+      </p:grpSpPr>
+      <p:sp>
+        <p:nvSpPr>
+          <p:cNvPr id="2" name="Title 1"/>
+          <p:cNvSpPr>
+            <a:spLocks noGrp="1"/>
+          </p:cNvSpPr>
+          <p:nvPr>
+            <p:ph type="title"/>
+          </p:nvPr>
+        </p:nvSpPr>
+        <p:spPr/>
+        <p:txBody>
+          <a:bodyPr/>
+          <a:lstStyle/>
+          <a:p>
+            <a:r>
+              <a:rPr lang="en-US" dirty="0" smtClean="0"/>
+              <a:t>Dashboard Using Power </a:t>
+            </a:r>
+            <a:r>
+              <a:rPr lang="en-US" dirty="0" smtClean="0"/>
+              <a:t>BI Page 2</a:t>
+            </a:r>
+            <a:endParaRPr lang="en-US" dirty="0"/>
+          </a:p>
+        </p:txBody>
+      </p:sp>
+      <p:pic>
+        <p:nvPicPr>
+          <p:cNvPr id="4" name="Content Placeholder 3"/>
+          <p:cNvPicPr>
+            <a:picLocks noGrp="1" noChangeAspect="1"/>
+          </p:cNvPicPr>
+          <p:nvPr>
+            <p:ph idx="1"/>
+          </p:nvPr>
+        </p:nvPicPr>
+        <p:blipFill>
+          <a:blip r:embed="rId2">
+            <a:extLst>
+              <a:ext uri="{28A0092B-C50C-407E-A947-70E740481C1C}">
+                <a14:useLocalDpi xmlns:a14="http://schemas.microsoft.com/office/drawing/2010/main" val="0"/>
+              </a:ext>
+            </a:extLst>
+          </a:blip>
+          <a:stretch>
+            <a:fillRect/>
+          </a:stretch>
+        </p:blipFill>
+        <p:spPr>
+          <a:xfrm>
+            <a:off x="2529348" y="1674813"/>
+            <a:ext cx="7133304" cy="4398962"/>
+          </a:xfrm>
+        </p:spPr>
+      </p:pic>
+    </p:spTree>
+    <p:extLst>
+      <p:ext uri="{BB962C8B-B14F-4D97-AF65-F5344CB8AC3E}">
+        <p14:creationId xmlns:p14="http://schemas.microsoft.com/office/powerpoint/2010/main" val="1043289563"/>
+      </p:ext>
+    </p:extLst>
+  </p:cSld>
+  <p:clrMapOvr>
+    <a:masterClrMapping/>
+  </p:clrMapOvr>
+</p:sld>
+</file>
+
+<file path=ppt/slides/slide21.xml><?xml version="1.0" encoding="utf-8"?>
+<p:sld xmlns:a="http://schemas.openxmlformats.org/drawingml/2006/main" xmlns:r="http://schemas.openxmlformats.org/officeDocument/2006/relationships" xmlns:p="http://schemas.openxmlformats.org/presentationml/2006/main">
+  <p:cSld>
+    <p:spTree>
+      <p:nvGrpSpPr>
+        <p:cNvPr id="1" name=""/>
+        <p:cNvGrpSpPr/>
+        <p:nvPr/>
+      </p:nvGrpSpPr>
+      <p:grpSpPr>
+        <a:xfrm>
+          <a:off x="0" y="0"/>
+          <a:ext cx="0" cy="0"/>
+          <a:chOff x="0" y="0"/>
+          <a:chExt cx="0" cy="0"/>
+        </a:xfrm>
+      </p:grpSpPr>
+      <p:sp>
+        <p:nvSpPr>
+          <p:cNvPr id="2" name="Title 1"/>
+          <p:cNvSpPr>
+            <a:spLocks noGrp="1"/>
+          </p:cNvSpPr>
+          <p:nvPr>
+            <p:ph type="title"/>
+          </p:nvPr>
+        </p:nvSpPr>
+        <p:spPr/>
+        <p:txBody>
+          <a:bodyPr/>
+          <a:lstStyle/>
+          <a:p>
+            <a:r>
+              <a:rPr lang="en-US" dirty="0" smtClean="0"/>
+              <a:t>Project Link</a:t>
+            </a:r>
+            <a:endParaRPr lang="en-US" dirty="0"/>
+          </a:p>
+        </p:txBody>
+      </p:sp>
+      <p:sp>
+        <p:nvSpPr>
+          <p:cNvPr id="3" name="Content Placeholder 2"/>
+          <p:cNvSpPr>
+            <a:spLocks noGrp="1"/>
+          </p:cNvSpPr>
+          <p:nvPr>
+            <p:ph idx="1"/>
+          </p:nvPr>
+        </p:nvSpPr>
+        <p:spPr/>
+        <p:txBody>
           <a:bodyPr/>
           <a:lstStyle/>
           <a:p>
@@ -5777,7 +6180,31 @@
               <a:rPr lang="en-US" dirty="0">
                 <a:hlinkClick r:id="rId2"/>
               </a:rPr>
-              <a:t>https://github.com/NavyaSai-V/Stellar_Object_Classification</a:t>
+              <a:t>predict-Sleep-Disorder/</a:t>
+            </a:r>
+            <a:r>
+              <a:rPr lang="en-US" dirty="0" err="1">
+                <a:hlinkClick r:id="rId2"/>
+              </a:rPr>
+              <a:t>SleepDisorderPrediction.ipynb</a:t>
+            </a:r>
+            <a:r>
+              <a:rPr lang="en-US" dirty="0">
+                <a:hlinkClick r:id="rId2"/>
+              </a:rPr>
+              <a:t> at main · </a:t>
+            </a:r>
+            <a:r>
+              <a:rPr lang="en-US" dirty="0" err="1">
+                <a:hlinkClick r:id="rId2"/>
+              </a:rPr>
+              <a:t>NavyaSai</a:t>
+            </a:r>
+            <a:r>
+              <a:rPr lang="en-US">
+                <a:hlinkClick r:id="rId2"/>
+              </a:rPr>
+              <a:t>-V/predict-Sleep-Disorder</a:t>
             </a:r>
             <a:endParaRPr lang="en-US" dirty="0"/>
           </a:p>
@@ -5796,7 +6223,7 @@
 </p:sld>
 </file>
 
-<file path=ppt/slides/slide19.xml><?xml version="1.0" encoding="utf-8"?>
+<file path=ppt/slides/slide22.xml><?xml version="1.0" encoding="utf-8"?>
 <p:sld xmlns:a="http://schemas.openxmlformats.org/drawingml/2006/main" xmlns:r="http://schemas.openxmlformats.org/officeDocument/2006/relationships" xmlns:p="http://schemas.openxmlformats.org/presentationml/2006/main">
   <p:cSld>
     <p:spTree>
@@ -5920,170 +6347,7 @@
 </p:sld>
 </file>
 
-<file path=ppt/slides/slide2.xml><?xml version="1.0" encoding="utf-8"?>
-<p:sld xmlns:a="http://schemas.openxmlformats.org/drawingml/2006/main" xmlns:r="http://schemas.openxmlformats.org/officeDocument/2006/relationships" xmlns:p="http://schemas.openxmlformats.org/presentationml/2006/main">
-  <p:cSld>
-    <p:spTree>
-      <p:nvGrpSpPr>
-        <p:cNvPr id="1" name=""/>
-        <p:cNvGrpSpPr/>
-        <p:nvPr/>
-      </p:nvGrpSpPr>
-      <p:grpSpPr>
-        <a:xfrm>
-          <a:off x="0" y="0"/>
-          <a:ext cx="0" cy="0"/>
-          <a:chOff x="0" y="0"/>
-          <a:chExt cx="0" cy="0"/>
-        </a:xfrm>
-      </p:grpSpPr>
-      <p:sp>
-        <p:nvSpPr>
-          <p:cNvPr id="2" name="Title 1"/>
-          <p:cNvSpPr>
-            <a:spLocks noGrp="1"/>
-          </p:cNvSpPr>
-          <p:nvPr>
-            <p:ph type="title"/>
-          </p:nvPr>
-        </p:nvSpPr>
-        <p:spPr/>
-        <p:txBody>
-          <a:bodyPr/>
-          <a:lstStyle/>
-          <a:p>
-            <a:r>
-              <a:rPr lang="en-US" dirty="0" smtClean="0"/>
-              <a:t>Agenda</a:t>
-            </a:r>
-            <a:endParaRPr lang="en-US" dirty="0"/>
-          </a:p>
-        </p:txBody>
-      </p:sp>
-      <p:sp>
-        <p:nvSpPr>
-          <p:cNvPr id="3" name="Content Placeholder 2"/>
-          <p:cNvSpPr>
-            <a:spLocks noGrp="1"/>
-          </p:cNvSpPr>
-          <p:nvPr>
-            <p:ph idx="1"/>
-          </p:nvPr>
-        </p:nvSpPr>
-        <p:spPr/>
-        <p:txBody>
-          <a:bodyPr>
-            <a:normAutofit fontScale="85000" lnSpcReduction="20000"/>
-          </a:bodyPr>
-          <a:lstStyle/>
-          <a:p>
-            <a:r>
-              <a:rPr lang="en-US" dirty="0" smtClean="0"/>
-              <a:t>Project objective</a:t>
-            </a:r>
-          </a:p>
-          <a:p>
-            <a:r>
-              <a:rPr lang="en-US" dirty="0" smtClean="0"/>
-              <a:t>Classifying Stars, Galaxy, Quasar</a:t>
-            </a:r>
-          </a:p>
-          <a:p>
-            <a:r>
-              <a:rPr lang="en-US" dirty="0" smtClean="0"/>
-              <a:t>Understanding Dataset and features</a:t>
-            </a:r>
-          </a:p>
-          <a:p>
-            <a:r>
-              <a:rPr lang="en-US" dirty="0" smtClean="0"/>
-              <a:t>Type of ML problem</a:t>
-            </a:r>
-          </a:p>
-          <a:p>
-            <a:r>
-              <a:rPr lang="en-US" dirty="0" smtClean="0"/>
-              <a:t>Models Used</a:t>
-            </a:r>
-          </a:p>
-          <a:p>
-            <a:r>
-              <a:rPr lang="en-US" dirty="0" smtClean="0"/>
-              <a:t>Target Variable</a:t>
-            </a:r>
-          </a:p>
-          <a:p>
-            <a:r>
-              <a:rPr lang="en-US" dirty="0" smtClean="0"/>
-              <a:t>Evaluation Metrics</a:t>
-            </a:r>
-          </a:p>
-          <a:p>
-            <a:r>
-              <a:rPr lang="en-US" dirty="0" smtClean="0"/>
-              <a:t>Exploratory Data Analysis</a:t>
-            </a:r>
-          </a:p>
-          <a:p>
-            <a:r>
-              <a:rPr lang="en-US" dirty="0" smtClean="0"/>
-              <a:t>Model Training and Evaluation. Comparison.</a:t>
-            </a:r>
-          </a:p>
-          <a:p>
-            <a:r>
-              <a:rPr lang="en-US" dirty="0" smtClean="0"/>
-              <a:t>Deployment</a:t>
-            </a:r>
-          </a:p>
-          <a:p>
-            <a:r>
-              <a:rPr lang="en-US" dirty="0" smtClean="0"/>
-              <a:t>Dashboard with </a:t>
-            </a:r>
-            <a:r>
-              <a:rPr lang="en-US" dirty="0" err="1" smtClean="0"/>
-              <a:t>PowerBI</a:t>
-            </a:r>
-            <a:endParaRPr lang="en-US" dirty="0" smtClean="0"/>
-          </a:p>
-          <a:p>
-            <a:endParaRPr lang="en-US" dirty="0" smtClean="0"/>
-          </a:p>
-          <a:p>
-            <a:endParaRPr lang="en-US" dirty="0" smtClean="0"/>
-          </a:p>
-          <a:p>
-            <a:endParaRPr lang="en-US" dirty="0" smtClean="0"/>
-          </a:p>
-          <a:p>
-            <a:endParaRPr lang="en-US" dirty="0" smtClean="0"/>
-          </a:p>
-          <a:p>
-            <a:endParaRPr lang="en-US" dirty="0" smtClean="0"/>
-          </a:p>
-          <a:p>
-            <a:endParaRPr lang="en-US" dirty="0" smtClean="0"/>
-          </a:p>
-          <a:p>
-            <a:endParaRPr lang="en-US" dirty="0"/>
-          </a:p>
-        </p:txBody>
-      </p:sp>
-    </p:spTree>
-    <p:extLst>
-      <p:ext uri="{BB962C8B-B14F-4D97-AF65-F5344CB8AC3E}">
-        <p14:creationId xmlns:p14="http://schemas.microsoft.com/office/powerpoint/2010/main" val="1244476586"/>
-      </p:ext>
-    </p:extLst>
-  </p:cSld>
-  <p:clrMapOvr>
-    <a:masterClrMapping/>
-  </p:clrMapOvr>
-</p:sld>
-</file>
-
-<file path=ppt/slides/slide20.xml><?xml version="1.0" encoding="utf-8"?>
+<file path=ppt/slides/slide23.xml><?xml version="1.0" encoding="utf-8"?>
 <p:sld xmlns:a="http://schemas.openxmlformats.org/drawingml/2006/main" xmlns:r="http://schemas.openxmlformats.org/officeDocument/2006/relationships" xmlns:p="http://schemas.openxmlformats.org/presentationml/2006/main">
   <p:cSld>
     <p:spTree>
@@ -6293,7 +6557,7 @@
         <p:spPr/>
         <p:txBody>
           <a:bodyPr>
-            <a:normAutofit fontScale="85000" lnSpcReduction="20000"/>
+            <a:normAutofit fontScale="70000" lnSpcReduction="20000"/>
           </a:bodyPr>
           <a:lstStyle/>
           <a:p>
@@ -6301,48 +6565,8 @@
               <a:buNone/>
             </a:pPr>
             <a:r>
-              <a:rPr lang="en-US" dirty="0"/>
-              <a:t>This project focuses on developing machine learning models to classify celestial objects—specifically, stars, galaxies, and quasars. The objectives include:</a:t>
-            </a:r>
-          </a:p>
-          <a:p>
-            <a:r>
               <a:rPr lang="en-US" b="1" dirty="0"/>
-              <a:t>Automated Classification</a:t>
-            </a:r>
-            <a:r>
-              <a:rPr lang="en-US" dirty="0"/>
-              <a:t>: Facilitate efficient and accurate classification of celestial objects.</a:t>
-            </a:r>
-          </a:p>
-          <a:p>
-            <a:r>
-              <a:rPr lang="en-US" b="1" dirty="0"/>
-              <a:t>Insights into Distinguishing Features</a:t>
-            </a:r>
-            <a:r>
-              <a:rPr lang="en-US" dirty="0"/>
-              <a:t>: Provide insights into the key characteristics that differentiate stars, galaxies, and quasars.</a:t>
-            </a:r>
-          </a:p>
-          <a:p>
-            <a:r>
-              <a:rPr lang="en-US" b="1" dirty="0"/>
-              <a:t>Optimized Data Processing</a:t>
-            </a:r>
-            <a:r>
-              <a:rPr lang="en-US" dirty="0"/>
-              <a:t>: Enhance data processing methods for large-scale astronomical surveys.</a:t>
-            </a:r>
-          </a:p>
-          <a:p>
-            <a:r>
-              <a:rPr lang="en-US" b="1" dirty="0"/>
-              <a:t>Comparative Analysis</a:t>
-            </a:r>
-            <a:r>
-              <a:rPr lang="en-US" dirty="0"/>
-              <a:t>: Conduct a comparative analysis of various machine learning algorithms to identify the most effective approaches for this classification task.</a:t>
+              <a:t>Predicting Sleep Disorders: A Data-Driven Approach</a:t>
             </a:r>
           </a:p>
           <a:p>
@@ -6351,7 +6575,89 @@
             </a:pPr>
             <a:r>
               <a:rPr lang="en-US" dirty="0"/>
-              <a:t>By leveraging these predictive models and data visualizations, this project aims to improve astronomical cataloging, guide research directions, and deepen our understanding of the universe.</a:t>
+              <a:t>This project centers on leveraging machine learning to enhance the detection and understanding of sleep disorders, focusing on three categories: </a:t>
+            </a:r>
+            <a:r>
+              <a:rPr lang="en-US" b="1" dirty="0"/>
+              <a:t>None</a:t>
+            </a:r>
+            <a:r>
+              <a:rPr lang="en-US" dirty="0"/>
+              <a:t>, </a:t>
+            </a:r>
+            <a:r>
+              <a:rPr lang="en-US" b="1" dirty="0"/>
+              <a:t>Insomnia</a:t>
+            </a:r>
+            <a:r>
+              <a:rPr lang="en-US" dirty="0"/>
+              <a:t>, and </a:t>
+            </a:r>
+            <a:r>
+              <a:rPr lang="en-US" b="1" dirty="0"/>
+              <a:t>Sleep Apnea</a:t>
+            </a:r>
+            <a:r>
+              <a:rPr lang="en-US" dirty="0"/>
+              <a:t>. Our aim is to empower healthcare providers to implement early interventions, optimize patient care, and advance public awareness of sleep health.</a:t>
+            </a:r>
+          </a:p>
+          <a:p>
+            <a:pPr marL="0" indent="0">
+              <a:buNone/>
+            </a:pPr>
+            <a:r>
+              <a:rPr lang="en-US" b="1" dirty="0"/>
+              <a:t>Objectives:</a:t>
+            </a:r>
+          </a:p>
+          <a:p>
+            <a:r>
+              <a:rPr lang="en-US" b="1" dirty="0"/>
+              <a:t>Automated Prediction</a:t>
+            </a:r>
+            <a:r>
+              <a:rPr lang="en-US" dirty="0"/>
+              <a:t>: Build a robust machine learning model to accurately predict the presence and type of sleep disorders.</a:t>
+            </a:r>
+          </a:p>
+          <a:p>
+            <a:r>
+              <a:rPr lang="en-US" b="1" dirty="0"/>
+              <a:t>Insightful Analysis</a:t>
+            </a:r>
+            <a:r>
+              <a:rPr lang="en-US" dirty="0"/>
+              <a:t>: Uncover relationships between lifestyle, medical factors, and sleep disorders to inform prevention strategies.</a:t>
+            </a:r>
+          </a:p>
+          <a:p>
+            <a:r>
+              <a:rPr lang="en-US" b="1" dirty="0"/>
+              <a:t>Optimized Data Handling</a:t>
+            </a:r>
+            <a:r>
+              <a:rPr lang="en-US" dirty="0"/>
+              <a:t>: Implement effective data preprocessing to handle complex features and ensure model reliability.</a:t>
+            </a:r>
+          </a:p>
+          <a:p>
+            <a:r>
+              <a:rPr lang="en-US" b="1" dirty="0"/>
+              <a:t>Comparative Evaluation</a:t>
+            </a:r>
+            <a:r>
+              <a:rPr lang="en-US" dirty="0"/>
+              <a:t>: Assess the performance of multiple machine learning algorithms to identify the best-fit solution for this task.</a:t>
+            </a:r>
+          </a:p>
+          <a:p>
+            <a:pPr marL="0" indent="0">
+              <a:buNone/>
+            </a:pPr>
+            <a:r>
+              <a:rPr lang="en-US" dirty="0"/>
+              <a:t>By using these predictive tools and data visualizations, this project seeks to enable healthcare providers to better understand sleep patterns and create more personalized treatment plans.</a:t>
             </a:r>
           </a:p>
           <a:p>
@@ -6412,9 +6718,8 @@
           <a:p>
             <a:r>
               <a:rPr lang="en-US" dirty="0"/>
-              <a:t>Classifying Stars, Galaxies, and Quasars Based on Spectra</a:t>
-            </a:r>
-            <a:endParaRPr lang="en-IN" dirty="0"/>
+              <a:t>Classifying None, Sleep Apnea, Insomnia</a:t>
+            </a:r>
           </a:p>
         </p:txBody>
       </p:sp>
@@ -6493,19 +6798,26 @@
             </a:lvl5pPr>
           </a:lstStyle>
           <a:p>
-            <a:r>
-              <a:rPr lang="en-US" dirty="0"/>
-              <a:t>Astronomers use stellar classification to classify stars based on spectral characteristics. Spectral characteristics help astronomers extract more information about the stars — elements, temperature, density, and magnetic field.</a:t>
-            </a:r>
-          </a:p>
-          <a:p>
-            <a:r>
-              <a:rPr lang="en-US" dirty="0"/>
-              <a:t>The classification scheme of galaxies, quasars, and stars is one of the most fundamental in astronomy. This problem aims to classify stars, galaxies, and quasars (luminous supermassive black holes) based on spectral characteristics.</a:t>
-            </a:r>
-          </a:p>
-          <a:p>
             <a:pPr lvl="0"/>
+            <a:r>
+              <a:rPr lang="en-US" dirty="0"/>
+              <a:t>Improving Health Outcomes: Sleep disorders are linked to numerous health issues, including cardiovascular diseases, diabetes, mental health problems, and reduced cognitive function. Early prediction allows timely intervention, preventing complications and improving overall well-being</a:t>
+            </a:r>
+            <a:r>
+              <a:rPr lang="en-US" dirty="0" smtClean="0"/>
+              <a:t>.</a:t>
+            </a:r>
+          </a:p>
+          <a:p>
+            <a:pPr lvl="0"/>
+            <a:r>
+              <a:rPr lang="en-US" dirty="0" smtClean="0"/>
+              <a:t>Enhancing </a:t>
+            </a:r>
+            <a:r>
+              <a:rPr lang="en-US" dirty="0"/>
+              <a:t>Quality of Life: By identifying sleep disorders early, individuals can receive personalized care to address their specific challenges. This leads to better sleep quality, improved daily productivity, and a positive impact on mental and emotional health.</a:t>
+            </a:r>
             <a:endParaRPr lang="en-US" dirty="0"/>
           </a:p>
         </p:txBody>
@@ -6595,7 +6907,9 @@
           </a:prstGeom>
         </p:spPr>
         <p:txBody>
-          <a:bodyPr/>
+          <a:bodyPr>
+            <a:normAutofit fontScale="92500" lnSpcReduction="10000"/>
+          </a:bodyPr>
           <a:lstStyle>
             <a:lvl1pPr>
               <a:defRPr>
@@ -6644,117 +6958,88 @@
             </a:lvl5pPr>
           </a:lstStyle>
           <a:p>
-            <a:pPr marL="0" indent="0">
-              <a:buNone/>
-            </a:pPr>
-            <a:r>
-              <a:rPr lang="en-US" dirty="0"/>
-              <a:t>The data consists of 100,000 observations of space taken by the </a:t>
-            </a:r>
+            <a:r>
+              <a:rPr lang="en-US" dirty="0"/>
+              <a:t>The dataset contains information on individuals, including demographics, lifestyle habits, and medical metrics, to predict sleep disorders. Key features include:</a:t>
+            </a:r>
+          </a:p>
+          <a:p>
             <a:r>
               <a:rPr lang="en-US" b="1" dirty="0"/>
-              <a:t>SDSS</a:t>
-            </a:r>
-            <a:r>
-              <a:rPr lang="en-US" dirty="0"/>
-              <a:t> (Sloan Digital Sky Survey). Every data point is described by 17 feature columns and 1 class column which identifies it to be either a </a:t>
-            </a:r>
+              <a:t>Demographics</a:t>
+            </a:r>
+            <a:r>
+              <a:rPr lang="en-US" dirty="0"/>
+              <a:t>: Age, gender, and occupation.</a:t>
+            </a:r>
+          </a:p>
+          <a:p>
             <a:r>
               <a:rPr lang="en-US" b="1" dirty="0"/>
-              <a:t>star</a:t>
-            </a:r>
-            <a:r>
-              <a:rPr lang="en-US" dirty="0"/>
-              <a:t>, </a:t>
-            </a:r>
+              <a:t>Lifestyle Factors</a:t>
+            </a:r>
+            <a:r>
+              <a:rPr lang="en-US" dirty="0"/>
+              <a:t>: Sleep duration, quality of sleep, physical activity level, and stress level.</a:t>
+            </a:r>
+          </a:p>
+          <a:p>
             <a:r>
               <a:rPr lang="en-US" b="1" dirty="0"/>
-              <a:t>galaxy</a:t>
-            </a:r>
-            <a:r>
-              <a:rPr lang="en-US" dirty="0"/>
-              <a:t>, or </a:t>
-            </a:r>
+              <a:t>Medical Metrics</a:t>
+            </a:r>
+            <a:r>
+              <a:rPr lang="en-US" dirty="0"/>
+              <a:t>: BMI category, blood pressure, and heart rate.</a:t>
+            </a:r>
+          </a:p>
+          <a:p>
             <a:r>
               <a:rPr lang="en-US" b="1" dirty="0"/>
-              <a:t>quasar</a:t>
-            </a:r>
-            <a:r>
-              <a:rPr lang="en-US" dirty="0"/>
-              <a:t> [1]</a:t>
-            </a:r>
-          </a:p>
-          <a:p>
-            <a:pPr lvl="0"/>
-            <a:r>
-              <a:rPr lang="en-US" dirty="0"/>
-              <a:t>I understand that some features in the dataset are significantly useful such as navigation angles — </a:t>
-            </a:r>
-            <a:r>
-              <a:rPr lang="en-US" b="1" i="1" dirty="0"/>
-              <a:t>ascension</a:t>
-            </a:r>
-            <a:r>
-              <a:rPr lang="en-US" dirty="0"/>
-              <a:t> and </a:t>
-            </a:r>
-            <a:r>
-              <a:rPr lang="en-US" b="1" i="1" dirty="0"/>
-              <a:t>declination</a:t>
-            </a:r>
-            <a:r>
-              <a:rPr lang="en-US" dirty="0"/>
-              <a:t>, filters of the photometric system — </a:t>
-            </a:r>
-            <a:r>
-              <a:rPr lang="en-US" b="1" i="1" dirty="0"/>
-              <a:t>u</a:t>
-            </a:r>
-            <a:r>
-              <a:rPr lang="en-US" dirty="0"/>
-              <a:t>, </a:t>
-            </a:r>
-            <a:r>
-              <a:rPr lang="en-US" b="1" i="1" dirty="0"/>
-              <a:t>g</a:t>
-            </a:r>
-            <a:r>
-              <a:rPr lang="en-US" dirty="0"/>
-              <a:t>, </a:t>
-            </a:r>
-            <a:r>
-              <a:rPr lang="en-US" b="1" i="1" dirty="0"/>
-              <a:t>r</a:t>
-            </a:r>
-            <a:r>
-              <a:rPr lang="en-US" dirty="0"/>
-              <a:t>, </a:t>
-            </a:r>
-            <a:r>
-              <a:rPr lang="en-US" b="1" i="1" dirty="0" err="1"/>
-              <a:t>i</a:t>
-            </a:r>
-            <a:r>
-              <a:rPr lang="en-US" dirty="0"/>
-              <a:t>, </a:t>
-            </a:r>
-            <a:r>
-              <a:rPr lang="en-US" b="1" i="1" dirty="0"/>
-              <a:t>z</a:t>
-            </a:r>
-            <a:r>
-              <a:rPr lang="en-US" dirty="0"/>
-              <a:t>, and </a:t>
-            </a:r>
-            <a:r>
-              <a:rPr lang="en-US" b="1" i="1" dirty="0"/>
-              <a:t>redshift</a:t>
-            </a:r>
-            <a:r>
-              <a:rPr lang="en-US" dirty="0"/>
-              <a:t>. And, the rest of the other columns in the dataset are IDs that are not useful in the learning stage.</a:t>
-            </a:r>
-            <a:endParaRPr lang="en-US" dirty="0"/>
+              <a:t>Daily Activity</a:t>
+            </a:r>
+            <a:r>
+              <a:rPr lang="en-US" dirty="0"/>
+              <a:t>: Number of daily steps.</a:t>
+            </a:r>
+          </a:p>
+          <a:p>
+            <a:r>
+              <a:rPr lang="en-US" dirty="0"/>
+              <a:t>The target variable is </a:t>
+            </a:r>
+            <a:r>
+              <a:rPr lang="en-US" b="1" dirty="0" err="1"/>
+              <a:t>Sleep_disorder</a:t>
+            </a:r>
+            <a:r>
+              <a:rPr lang="en-US" dirty="0"/>
+              <a:t>, categorized into </a:t>
+            </a:r>
+            <a:r>
+              <a:rPr lang="en-US" b="1" dirty="0"/>
+              <a:t>None</a:t>
+            </a:r>
+            <a:r>
+              <a:rPr lang="en-US" dirty="0"/>
+              <a:t>, </a:t>
+            </a:r>
+            <a:r>
+              <a:rPr lang="en-US" b="1" dirty="0"/>
+              <a:t>Insomnia</a:t>
+            </a:r>
+            <a:r>
+              <a:rPr lang="en-US" dirty="0"/>
+              <a:t>, or </a:t>
+            </a:r>
+            <a:r>
+              <a:rPr lang="en-US" b="1" dirty="0"/>
+              <a:t>Sleep Apnea</a:t>
+            </a:r>
+            <a:r>
+              <a:rPr lang="en-US" dirty="0"/>
+              <a:t>. This dataset enables the identification of patterns influencing sleep health and facilitates the development of predictive models.</a:t>
+            </a:r>
           </a:p>
         </p:txBody>
       </p:sp>
@@ -6840,7 +7125,23 @@
           <a:p>
             <a:r>
               <a:rPr lang="en-IN" dirty="0" smtClean="0"/>
-              <a:t>As we can see the target feature ‘class’, We are dealing with </a:t>
+              <a:t>As we can see the target feature </a:t>
+            </a:r>
+            <a:r>
+              <a:rPr lang="en-IN" dirty="0" smtClean="0"/>
+              <a:t>‘</a:t>
+            </a:r>
+            <a:r>
+              <a:rPr lang="en-IN" dirty="0" smtClean="0"/>
+              <a:t>Sleep Disorder</a:t>
+            </a:r>
+            <a:r>
+              <a:rPr lang="en-IN" dirty="0" smtClean="0"/>
+              <a:t>’, </a:t>
+            </a:r>
+            <a:r>
+              <a:rPr lang="en-IN" dirty="0" smtClean="0"/>
+              <a:t>We are dealing with </a:t>
             </a:r>
             <a:r>
               <a:rPr lang="en-IN" b="1" dirty="0" smtClean="0"/>
@@ -7131,7 +7432,7 @@
       </p:sp>
       <p:pic>
         <p:nvPicPr>
-          <p:cNvPr id="4" name="Picture 3"/>
+          <p:cNvPr id="5" name="Picture 4"/>
           <p:cNvPicPr>
             <a:picLocks noChangeAspect="1"/>
           </p:cNvPicPr>
@@ -7151,8 +7452,8 @@
         </p:blipFill>
         <p:spPr>
           <a:xfrm>
-            <a:off x="895701" y="2294894"/>
-            <a:ext cx="10058400" cy="3629770"/>
+            <a:off x="763571" y="2186289"/>
+            <a:ext cx="10058400" cy="3512571"/>
           </a:xfrm>
           <a:prstGeom prst="rect">
             <a:avLst/>
